--- a/Colletion Interfaces.pptx
+++ b/Colletion Interfaces.pptx
@@ -743,7 +743,7 @@
             <a:fld id="{5CFC1875-7E13-47EA-90E9-7223FF710A1F}" type="datetimeFigureOut">
               <a:rPr lang="en-US" smtClean="0"/>
               <a:pPr/>
-              <a:t>3/11/2014</a:t>
+              <a:t>4/19/2019</a:t>
             </a:fld>
             <a:endParaRPr lang="en-US" dirty="0"/>
           </a:p>
@@ -941,7 +941,7 @@
             <a:fld id="{5CFC1875-7E13-47EA-90E9-7223FF710A1F}" type="datetimeFigureOut">
               <a:rPr lang="en-US" smtClean="0"/>
               <a:pPr/>
-              <a:t>3/11/2014</a:t>
+              <a:t>4/19/2019</a:t>
             </a:fld>
             <a:endParaRPr lang="en-US" dirty="0"/>
           </a:p>
@@ -1128,7 +1128,7 @@
             <a:fld id="{5CFC1875-7E13-47EA-90E9-7223FF710A1F}" type="datetimeFigureOut">
               <a:rPr lang="en-US" smtClean="0"/>
               <a:pPr/>
-              <a:t>3/11/2014</a:t>
+              <a:t>4/19/2019</a:t>
             </a:fld>
             <a:endParaRPr lang="en-US" dirty="0"/>
           </a:p>
@@ -1280,7 +1280,7 @@
             <a:fld id="{5CFC1875-7E13-47EA-90E9-7223FF710A1F}" type="datetimeFigureOut">
               <a:rPr lang="en-US" smtClean="0"/>
               <a:pPr/>
-              <a:t>3/11/2014</a:t>
+              <a:t>4/19/2019</a:t>
             </a:fld>
             <a:endParaRPr lang="en-US" dirty="0"/>
           </a:p>
@@ -1537,7 +1537,7 @@
             <a:fld id="{5CFC1875-7E13-47EA-90E9-7223FF710A1F}" type="datetimeFigureOut">
               <a:rPr lang="en-US" smtClean="0"/>
               <a:pPr/>
-              <a:t>3/11/2014</a:t>
+              <a:t>4/19/2019</a:t>
             </a:fld>
             <a:endParaRPr lang="en-US" dirty="0"/>
           </a:p>
@@ -1948,7 +1948,7 @@
             <a:fld id="{5CFC1875-7E13-47EA-90E9-7223FF710A1F}" type="datetimeFigureOut">
               <a:rPr lang="en-US" smtClean="0"/>
               <a:pPr/>
-              <a:t>3/11/2014</a:t>
+              <a:t>4/19/2019</a:t>
             </a:fld>
             <a:endParaRPr lang="en-US" dirty="0"/>
           </a:p>
@@ -2396,7 +2396,7 @@
             <a:fld id="{5CFC1875-7E13-47EA-90E9-7223FF710A1F}" type="datetimeFigureOut">
               <a:rPr lang="en-US" smtClean="0"/>
               <a:pPr/>
-              <a:t>3/11/2014</a:t>
+              <a:t>4/19/2019</a:t>
             </a:fld>
             <a:endParaRPr lang="en-US" dirty="0"/>
           </a:p>
@@ -2499,7 +2499,7 @@
             <a:fld id="{5CFC1875-7E13-47EA-90E9-7223FF710A1F}" type="datetimeFigureOut">
               <a:rPr lang="en-US" smtClean="0"/>
               <a:pPr/>
-              <a:t>3/11/2014</a:t>
+              <a:t>4/19/2019</a:t>
             </a:fld>
             <a:endParaRPr lang="en-US" dirty="0"/>
           </a:p>
@@ -2622,7 +2622,7 @@
             <a:fld id="{5CFC1875-7E13-47EA-90E9-7223FF710A1F}" type="datetimeFigureOut">
               <a:rPr lang="en-US" smtClean="0"/>
               <a:pPr/>
-              <a:t>3/11/2014</a:t>
+              <a:t>4/19/2019</a:t>
             </a:fld>
             <a:endParaRPr lang="en-US" dirty="0"/>
           </a:p>
@@ -2898,7 +2898,7 @@
             <a:fld id="{5CFC1875-7E13-47EA-90E9-7223FF710A1F}" type="datetimeFigureOut">
               <a:rPr lang="en-US" smtClean="0"/>
               <a:pPr/>
-              <a:t>3/11/2014</a:t>
+              <a:t>4/19/2019</a:t>
             </a:fld>
             <a:endParaRPr lang="en-US" dirty="0"/>
           </a:p>
@@ -3105,7 +3105,7 @@
             <a:fld id="{5CFC1875-7E13-47EA-90E9-7223FF710A1F}" type="datetimeFigureOut">
               <a:rPr lang="en-US" smtClean="0"/>
               <a:pPr/>
-              <a:t>3/11/2014</a:t>
+              <a:t>4/19/2019</a:t>
             </a:fld>
             <a:endParaRPr lang="en-US" dirty="0"/>
           </a:p>
@@ -4216,7 +4216,7 @@
             <a:fld id="{5CFC1875-7E13-47EA-90E9-7223FF710A1F}" type="datetimeFigureOut">
               <a:rPr lang="en-US" smtClean="0"/>
               <a:pPr/>
-              <a:t>3/11/2014</a:t>
+              <a:t>4/19/2019</a:t>
             </a:fld>
             <a:endParaRPr lang="en-US" dirty="0"/>
           </a:p>
@@ -4689,7 +4689,7 @@
       </p:sp>
       <p:sp>
         <p:nvSpPr>
-          <p:cNvPr id="3" name="Subtitle 2"/>
+          <p:cNvPr id="4" name="Subtitle 3"/>
           <p:cNvSpPr>
             <a:spLocks noGrp="1"/>
           </p:cNvSpPr>
@@ -4702,26 +4702,7 @@
           <a:bodyPr/>
           <a:lstStyle/>
           <a:p>
-            <a:r>
-              <a:rPr lang="en-US" dirty="0" smtClean="0">
-                <a:latin typeface="Times New Roman" pitchFamily="18" charset="0"/>
-                <a:cs typeface="Times New Roman" pitchFamily="18" charset="0"/>
-              </a:rPr>
-              <a:t>Prepared by-</a:t>
-            </a:r>
-          </a:p>
-          <a:p>
-            <a:r>
-              <a:rPr lang="en-US" dirty="0" smtClean="0">
-                <a:latin typeface="Times New Roman" pitchFamily="18" charset="0"/>
-                <a:cs typeface="Times New Roman" pitchFamily="18" charset="0"/>
-              </a:rPr>
-              <a:t>			Pooja N. Naladkar</a:t>
-            </a:r>
-            <a:endParaRPr lang="en-US" dirty="0">
-              <a:latin typeface="Times New Roman" pitchFamily="18" charset="0"/>
-              <a:cs typeface="Times New Roman" pitchFamily="18" charset="0"/>
-            </a:endParaRPr>
+            <a:endParaRPr lang="en-IN"/>
           </a:p>
         </p:txBody>
       </p:sp>
@@ -5122,10 +5103,6 @@
               </a:rPr>
               <a:t>Types</a:t>
             </a:r>
-            <a:endParaRPr lang="en-US" dirty="0" smtClean="0">
-              <a:latin typeface="Times New Roman" pitchFamily="18" charset="0"/>
-              <a:cs typeface="Times New Roman" pitchFamily="18" charset="0"/>
-            </a:endParaRPr>
           </a:p>
         </p:txBody>
       </p:sp>
@@ -5938,19 +5915,8 @@
                 <a:latin typeface="Times New Roman" pitchFamily="18" charset="0"/>
                 <a:cs typeface="Times New Roman" pitchFamily="18" charset="0"/>
               </a:rPr>
-              <a:t>T- type of object to </a:t>
-            </a:r>
-            <a:r>
-              <a:rPr lang="en-US" sz="2000" dirty="0" smtClean="0">
-                <a:latin typeface="Times New Roman" pitchFamily="18" charset="0"/>
-                <a:cs typeface="Times New Roman" pitchFamily="18" charset="0"/>
-              </a:rPr>
-              <a:t>enumerate</a:t>
-            </a:r>
-            <a:endParaRPr lang="en-US" sz="2000" dirty="0" smtClean="0">
-              <a:latin typeface="Times New Roman" pitchFamily="18" charset="0"/>
-              <a:cs typeface="Times New Roman" pitchFamily="18" charset="0"/>
-            </a:endParaRPr>
+              <a:t>T- type of object to enumerate</a:t>
+            </a:r>
           </a:p>
           <a:p>
             <a:r>
@@ -6260,19 +6226,8 @@
                 <a:latin typeface="Times New Roman" pitchFamily="18" charset="0"/>
                 <a:cs typeface="Times New Roman" pitchFamily="18" charset="0"/>
               </a:rPr>
-              <a:t>&lt;T</a:t>
-            </a:r>
-            <a:r>
-              <a:rPr lang="en-US" sz="3200" dirty="0" smtClean="0">
-                <a:latin typeface="Times New Roman" pitchFamily="18" charset="0"/>
-                <a:cs typeface="Times New Roman" pitchFamily="18" charset="0"/>
-              </a:rPr>
-              <a:t>&gt;</a:t>
-            </a:r>
-            <a:endParaRPr lang="en-US" sz="3200" dirty="0" smtClean="0">
-              <a:latin typeface="Times New Roman" pitchFamily="18" charset="0"/>
-              <a:cs typeface="Times New Roman" pitchFamily="18" charset="0"/>
-            </a:endParaRPr>
+              <a:t>&lt;T&gt;</a:t>
+            </a:r>
           </a:p>
           <a:p>
             <a:r>
@@ -6289,26 +6244,8 @@
                 <a:latin typeface="Times New Roman" pitchFamily="18" charset="0"/>
                 <a:cs typeface="Times New Roman" pitchFamily="18" charset="0"/>
               </a:rPr>
-              <a:t>T- </a:t>
-            </a:r>
-            <a:r>
-              <a:rPr lang="en-US" sz="2000" dirty="0" smtClean="0">
-                <a:latin typeface="Times New Roman" pitchFamily="18" charset="0"/>
-                <a:cs typeface="Times New Roman" pitchFamily="18" charset="0"/>
-              </a:rPr>
-              <a:t>type of </a:t>
-            </a:r>
-            <a:r>
-              <a:rPr lang="en-US" sz="2000" dirty="0" smtClean="0">
-                <a:latin typeface="Times New Roman" pitchFamily="18" charset="0"/>
-                <a:cs typeface="Times New Roman" pitchFamily="18" charset="0"/>
-              </a:rPr>
-              <a:t>elements in the collection</a:t>
-            </a:r>
-            <a:endParaRPr lang="en-US" sz="2000" dirty="0" smtClean="0">
-              <a:latin typeface="Times New Roman" pitchFamily="18" charset="0"/>
-              <a:cs typeface="Times New Roman" pitchFamily="18" charset="0"/>
-            </a:endParaRPr>
+              <a:t>T- type of elements in the collection</a:t>
+            </a:r>
           </a:p>
           <a:p>
             <a:r>
